--- a/CCL PPT.pptx
+++ b/CCL PPT.pptx
@@ -5,7 +5,7 @@
     <p:sldMasterId id="2147483648" r:id="rId1"/>
   </p:sldMasterIdLst>
   <p:notesMasterIdLst>
-    <p:notesMasterId r:id="rId24"/>
+    <p:notesMasterId r:id="rId26"/>
   </p:notesMasterIdLst>
   <p:sldIdLst>
     <p:sldId id="256" r:id="rId2"/>
@@ -26,10 +26,12 @@
     <p:sldId id="277" r:id="rId17"/>
     <p:sldId id="286" r:id="rId18"/>
     <p:sldId id="283" r:id="rId19"/>
-    <p:sldId id="284" r:id="rId20"/>
-    <p:sldId id="275" r:id="rId21"/>
-    <p:sldId id="282" r:id="rId22"/>
-    <p:sldId id="276" r:id="rId23"/>
+    <p:sldId id="287" r:id="rId20"/>
+    <p:sldId id="288" r:id="rId21"/>
+    <p:sldId id="284" r:id="rId22"/>
+    <p:sldId id="275" r:id="rId23"/>
+    <p:sldId id="282" r:id="rId24"/>
+    <p:sldId id="276" r:id="rId25"/>
   </p:sldIdLst>
   <p:sldSz cx="9144000" cy="5149850"/>
   <p:notesSz cx="9144000" cy="5149850"/>
@@ -3847,6 +3849,852 @@
           <a:bodyPr/>
           <a:lstStyle/>
           <a:p>
+            <a:endParaRPr lang="en-IN" dirty="0"/>
+          </a:p>
+        </p:txBody>
+      </p:sp>
+      <p:pic>
+        <p:nvPicPr>
+          <p:cNvPr id="4" name="Picture 3"/>
+          <p:cNvPicPr>
+            <a:picLocks noChangeAspect="1"/>
+          </p:cNvPicPr>
+          <p:nvPr/>
+        </p:nvPicPr>
+        <p:blipFill>
+          <a:blip r:embed="rId2">
+            <a:extLst>
+              <a:ext uri="{28A0092B-C50C-407E-A947-70E740481C1C}">
+                <a14:useLocalDpi xmlns:a14="http://schemas.microsoft.com/office/drawing/2010/main" val="0"/>
+              </a:ext>
+            </a:extLst>
+          </a:blip>
+          <a:stretch>
+            <a:fillRect/>
+          </a:stretch>
+        </p:blipFill>
+        <p:spPr>
+          <a:xfrm>
+            <a:off x="190784" y="0"/>
+            <a:ext cx="8762431" cy="5149850"/>
+          </a:xfrm>
+          <a:prstGeom prst="rect">
+            <a:avLst/>
+          </a:prstGeom>
+        </p:spPr>
+      </p:pic>
+    </p:spTree>
+    <p:extLst>
+      <p:ext uri="{BB962C8B-B14F-4D97-AF65-F5344CB8AC3E}">
+        <p14:creationId xmlns:p14="http://schemas.microsoft.com/office/powerpoint/2010/main" val="3445198446"/>
+      </p:ext>
+    </p:extLst>
+  </p:cSld>
+  <p:clrMapOvr>
+    <a:masterClrMapping/>
+  </p:clrMapOvr>
+</p:sld>
+</file>
+
+<file path=ppt/slides/slide2.xml><?xml version="1.0" encoding="utf-8"?>
+<p:sld xmlns:a="http://schemas.openxmlformats.org/drawingml/2006/main" xmlns:r="http://schemas.openxmlformats.org/officeDocument/2006/relationships" xmlns:p="http://schemas.openxmlformats.org/presentationml/2006/main" showMasterSp="0">
+  <p:cSld>
+    <p:spTree>
+      <p:nvGrpSpPr>
+        <p:cNvPr id="1" name=""/>
+        <p:cNvGrpSpPr/>
+        <p:nvPr/>
+      </p:nvGrpSpPr>
+      <p:grpSpPr>
+        <a:xfrm>
+          <a:off x="0" y="0"/>
+          <a:ext cx="0" cy="0"/>
+          <a:chOff x="0" y="0"/>
+          <a:chExt cx="0" cy="0"/>
+        </a:xfrm>
+      </p:grpSpPr>
+      <p:sp>
+        <p:nvSpPr>
+          <p:cNvPr id="2" name="object 2"/>
+          <p:cNvSpPr/>
+          <p:nvPr/>
+        </p:nvSpPr>
+        <p:spPr>
+          <a:xfrm>
+            <a:off x="0" y="1660525"/>
+            <a:ext cx="9144000" cy="3432175"/>
+          </a:xfrm>
+          <a:custGeom>
+            <a:avLst/>
+            <a:gdLst/>
+            <a:ahLst/>
+            <a:cxnLst/>
+            <a:rect l="l" t="t" r="r" b="b"/>
+            <a:pathLst>
+              <a:path w="9144000" h="3432175">
+                <a:moveTo>
+                  <a:pt x="0" y="3432047"/>
+                </a:moveTo>
+                <a:lnTo>
+                  <a:pt x="9144000" y="3432047"/>
+                </a:lnTo>
+                <a:lnTo>
+                  <a:pt x="9144000" y="0"/>
+                </a:lnTo>
+                <a:lnTo>
+                  <a:pt x="0" y="0"/>
+                </a:lnTo>
+                <a:lnTo>
+                  <a:pt x="0" y="3432047"/>
+                </a:lnTo>
+                <a:close/>
+              </a:path>
+            </a:pathLst>
+          </a:custGeom>
+          <a:solidFill>
+            <a:srgbClr val="000000"/>
+          </a:solidFill>
+        </p:spPr>
+        <p:txBody>
+          <a:bodyPr wrap="square" lIns="0" tIns="0" rIns="0" bIns="0" rtlCol="0"/>
+          <a:lstStyle/>
+          <a:p>
+            <a:endParaRPr/>
+          </a:p>
+        </p:txBody>
+      </p:sp>
+      <p:sp>
+        <p:nvSpPr>
+          <p:cNvPr id="3" name="object 3"/>
+          <p:cNvSpPr/>
+          <p:nvPr/>
+        </p:nvSpPr>
+        <p:spPr>
+          <a:xfrm>
+            <a:off x="0" y="-14177"/>
+            <a:ext cx="9144000" cy="1713230"/>
+          </a:xfrm>
+          <a:custGeom>
+            <a:avLst/>
+            <a:gdLst/>
+            <a:ahLst/>
+            <a:cxnLst/>
+            <a:rect l="l" t="t" r="r" b="b"/>
+            <a:pathLst>
+              <a:path w="9144000" h="1713230">
+                <a:moveTo>
+                  <a:pt x="9144000" y="0"/>
+                </a:moveTo>
+                <a:lnTo>
+                  <a:pt x="0" y="0"/>
+                </a:lnTo>
+                <a:lnTo>
+                  <a:pt x="0" y="1712976"/>
+                </a:lnTo>
+                <a:lnTo>
+                  <a:pt x="9144000" y="1712976"/>
+                </a:lnTo>
+                <a:lnTo>
+                  <a:pt x="9144000" y="0"/>
+                </a:lnTo>
+                <a:close/>
+              </a:path>
+            </a:pathLst>
+          </a:custGeom>
+          <a:solidFill>
+            <a:srgbClr val="25A69A"/>
+          </a:solidFill>
+        </p:spPr>
+        <p:txBody>
+          <a:bodyPr wrap="square" lIns="0" tIns="0" rIns="0" bIns="0" rtlCol="0"/>
+          <a:lstStyle/>
+          <a:p>
+            <a:endParaRPr/>
+          </a:p>
+        </p:txBody>
+      </p:sp>
+      <p:sp>
+        <p:nvSpPr>
+          <p:cNvPr id="4" name="object 4"/>
+          <p:cNvSpPr/>
+          <p:nvPr/>
+        </p:nvSpPr>
+        <p:spPr>
+          <a:xfrm>
+            <a:off x="644651" y="3598164"/>
+            <a:ext cx="390525" cy="0"/>
+          </a:xfrm>
+          <a:custGeom>
+            <a:avLst/>
+            <a:gdLst/>
+            <a:ahLst/>
+            <a:cxnLst/>
+            <a:rect l="l" t="t" r="r" b="b"/>
+            <a:pathLst>
+              <a:path w="390525">
+                <a:moveTo>
+                  <a:pt x="0" y="0"/>
+                </a:moveTo>
+                <a:lnTo>
+                  <a:pt x="390296" y="0"/>
+                </a:lnTo>
+              </a:path>
+            </a:pathLst>
+          </a:custGeom>
+          <a:ln w="27432">
+            <a:solidFill>
+              <a:srgbClr val="FFFAEF"/>
+            </a:solidFill>
+          </a:ln>
+        </p:spPr>
+        <p:txBody>
+          <a:bodyPr wrap="square" lIns="0" tIns="0" rIns="0" bIns="0" rtlCol="0"/>
+          <a:lstStyle/>
+          <a:p>
+            <a:endParaRPr/>
+          </a:p>
+        </p:txBody>
+      </p:sp>
+      <p:sp>
+        <p:nvSpPr>
+          <p:cNvPr id="5" name="object 5"/>
+          <p:cNvSpPr txBox="1"/>
+          <p:nvPr/>
+        </p:nvSpPr>
+        <p:spPr>
+          <a:xfrm>
+            <a:off x="3564382" y="345439"/>
+            <a:ext cx="1861185" cy="299720"/>
+          </a:xfrm>
+          <a:prstGeom prst="rect">
+            <a:avLst/>
+          </a:prstGeom>
+        </p:spPr>
+        <p:txBody>
+          <a:bodyPr vert="horz" wrap="square" lIns="0" tIns="12700" rIns="0" bIns="0" rtlCol="0">
+            <a:spAutoFit/>
+          </a:bodyPr>
+          <a:lstStyle/>
+          <a:p>
+            <a:pPr marL="12700">
+              <a:lnSpc>
+                <a:spcPct val="100000"/>
+              </a:lnSpc>
+              <a:spcBef>
+                <a:spcPts val="100"/>
+              </a:spcBef>
+            </a:pPr>
+            <a:r>
+              <a:rPr sz="1800" spc="-5" dirty="0">
+                <a:solidFill>
+                  <a:srgbClr val="FFFAEF"/>
+                </a:solidFill>
+                <a:latin typeface="Times New Roman"/>
+                <a:cs typeface="Times New Roman"/>
+              </a:rPr>
+              <a:t>A </a:t>
+            </a:r>
+            <a:r>
+              <a:rPr sz="1800" dirty="0">
+                <a:solidFill>
+                  <a:srgbClr val="FFFAEF"/>
+                </a:solidFill>
+                <a:latin typeface="Times New Roman"/>
+                <a:cs typeface="Times New Roman"/>
+              </a:rPr>
+              <a:t>Project Report</a:t>
+            </a:r>
+            <a:r>
+              <a:rPr sz="1800" spc="-110" dirty="0">
+                <a:solidFill>
+                  <a:srgbClr val="FFFAEF"/>
+                </a:solidFill>
+                <a:latin typeface="Times New Roman"/>
+                <a:cs typeface="Times New Roman"/>
+              </a:rPr>
+              <a:t> </a:t>
+            </a:r>
+            <a:r>
+              <a:rPr sz="1800" spc="5" dirty="0">
+                <a:solidFill>
+                  <a:srgbClr val="FFFAEF"/>
+                </a:solidFill>
+                <a:latin typeface="Times New Roman"/>
+                <a:cs typeface="Times New Roman"/>
+              </a:rPr>
+              <a:t>on</a:t>
+            </a:r>
+            <a:endParaRPr sz="1800" dirty="0">
+              <a:latin typeface="Times New Roman"/>
+              <a:cs typeface="Times New Roman"/>
+            </a:endParaRPr>
+          </a:p>
+        </p:txBody>
+      </p:sp>
+      <p:sp>
+        <p:nvSpPr>
+          <p:cNvPr id="6" name="object 6"/>
+          <p:cNvSpPr txBox="1">
+            <a:spLocks noGrp="1"/>
+          </p:cNvSpPr>
+          <p:nvPr>
+            <p:ph type="title"/>
+          </p:nvPr>
+        </p:nvSpPr>
+        <p:spPr>
+          <a:xfrm>
+            <a:off x="2667000" y="624876"/>
+            <a:ext cx="4985258" cy="382156"/>
+          </a:xfrm>
+          <a:prstGeom prst="rect">
+            <a:avLst/>
+          </a:prstGeom>
+        </p:spPr>
+        <p:txBody>
+          <a:bodyPr vert="horz" wrap="square" lIns="0" tIns="12700" rIns="0" bIns="0" rtlCol="0">
+            <a:spAutoFit/>
+          </a:bodyPr>
+          <a:lstStyle/>
+          <a:p>
+            <a:pPr marL="12700">
+              <a:lnSpc>
+                <a:spcPct val="100000"/>
+              </a:lnSpc>
+              <a:spcBef>
+                <a:spcPts val="100"/>
+              </a:spcBef>
+            </a:pPr>
+            <a:r>
+              <a:rPr lang="en-US" sz="2400" dirty="0"/>
+              <a:t>Hospital Management System</a:t>
+            </a:r>
+            <a:endParaRPr sz="2400" dirty="0"/>
+          </a:p>
+        </p:txBody>
+      </p:sp>
+      <p:sp>
+        <p:nvSpPr>
+          <p:cNvPr id="7" name="object 7"/>
+          <p:cNvSpPr txBox="1">
+            <a:spLocks noGrp="1"/>
+          </p:cNvSpPr>
+          <p:nvPr>
+            <p:ph type="body" idx="1"/>
+          </p:nvPr>
+        </p:nvSpPr>
+        <p:spPr>
+          <a:xfrm>
+            <a:off x="2384551" y="985469"/>
+            <a:ext cx="4373245" cy="3344505"/>
+          </a:xfrm>
+          <a:prstGeom prst="rect">
+            <a:avLst/>
+          </a:prstGeom>
+        </p:spPr>
+        <p:txBody>
+          <a:bodyPr vert="horz" wrap="square" lIns="0" tIns="12700" rIns="0" bIns="0" rtlCol="0">
+            <a:spAutoFit/>
+          </a:bodyPr>
+          <a:lstStyle/>
+          <a:p>
+            <a:pPr algn="ctr">
+              <a:lnSpc>
+                <a:spcPct val="100000"/>
+              </a:lnSpc>
+              <a:spcBef>
+                <a:spcPts val="100"/>
+              </a:spcBef>
+            </a:pPr>
+            <a:r>
+              <a:rPr spc="-5" dirty="0"/>
+              <a:t>Submitted </a:t>
+            </a:r>
+            <a:r>
+              <a:rPr dirty="0"/>
+              <a:t>in </a:t>
+            </a:r>
+            <a:r>
+              <a:rPr spc="-5" dirty="0"/>
+              <a:t>partial </a:t>
+            </a:r>
+            <a:r>
+              <a:rPr spc="-10" dirty="0"/>
+              <a:t>fulfillment </a:t>
+            </a:r>
+            <a:r>
+              <a:rPr dirty="0"/>
+              <a:t>of the </a:t>
+            </a:r>
+            <a:r>
+              <a:rPr spc="-5" dirty="0"/>
+              <a:t>degree</a:t>
+            </a:r>
+            <a:r>
+              <a:rPr spc="40" dirty="0"/>
+              <a:t> </a:t>
+            </a:r>
+            <a:r>
+              <a:rPr dirty="0"/>
+              <a:t>of</a:t>
+            </a:r>
+          </a:p>
+          <a:p>
+            <a:pPr algn="ctr">
+              <a:lnSpc>
+                <a:spcPct val="100000"/>
+              </a:lnSpc>
+              <a:spcBef>
+                <a:spcPts val="5"/>
+              </a:spcBef>
+            </a:pPr>
+            <a:r>
+              <a:rPr spc="-5" dirty="0"/>
+              <a:t>Bachelor </a:t>
+            </a:r>
+            <a:r>
+              <a:rPr spc="5" dirty="0"/>
+              <a:t>of</a:t>
+            </a:r>
+            <a:r>
+              <a:rPr spc="-25" dirty="0"/>
+              <a:t> </a:t>
+            </a:r>
+            <a:r>
+              <a:rPr dirty="0"/>
+              <a:t>Engineering(Sem-V</a:t>
+            </a:r>
+            <a:r>
+              <a:rPr lang="en-IN" dirty="0"/>
+              <a:t>I</a:t>
+            </a:r>
+            <a:r>
+              <a:rPr dirty="0"/>
+              <a:t>)</a:t>
+            </a:r>
+          </a:p>
+          <a:p>
+            <a:pPr marL="1905" algn="ctr">
+              <a:lnSpc>
+                <a:spcPct val="100000"/>
+              </a:lnSpc>
+            </a:pPr>
+            <a:r>
+              <a:rPr dirty="0"/>
+              <a:t>in</a:t>
+            </a:r>
+          </a:p>
+          <a:p>
+            <a:pPr algn="ctr">
+              <a:lnSpc>
+                <a:spcPct val="100000"/>
+              </a:lnSpc>
+            </a:pPr>
+            <a:r>
+              <a:rPr b="1" spc="-20" dirty="0">
+                <a:latin typeface="Times New Roman"/>
+                <a:cs typeface="Times New Roman"/>
+              </a:rPr>
+              <a:t>Computer</a:t>
+            </a:r>
+            <a:r>
+              <a:rPr b="1" spc="110" dirty="0">
+                <a:latin typeface="Times New Roman"/>
+                <a:cs typeface="Times New Roman"/>
+              </a:rPr>
+              <a:t> </a:t>
+            </a:r>
+            <a:r>
+              <a:rPr b="1" spc="-10" dirty="0">
+                <a:latin typeface="Times New Roman"/>
+                <a:cs typeface="Times New Roman"/>
+              </a:rPr>
+              <a:t>Engineering</a:t>
+            </a:r>
+          </a:p>
+          <a:p>
+            <a:pPr marL="4445" algn="ctr">
+              <a:lnSpc>
+                <a:spcPct val="100000"/>
+              </a:lnSpc>
+            </a:pPr>
+            <a:r>
+              <a:rPr spc="-5" dirty="0"/>
+              <a:t>By</a:t>
+            </a:r>
+          </a:p>
+          <a:p>
+            <a:pPr marL="0" lvl="0" indent="0" algn="ctr" rtl="0">
+              <a:spcBef>
+                <a:spcPts val="0"/>
+              </a:spcBef>
+              <a:spcAft>
+                <a:spcPts val="0"/>
+              </a:spcAft>
+              <a:buClr>
+                <a:schemeClr val="dk1"/>
+              </a:buClr>
+              <a:buSzPts val="1100"/>
+              <a:buFont typeface="Arial"/>
+              <a:buNone/>
+            </a:pPr>
+            <a:r>
+              <a:rPr lang="en-IN" sz="1800" dirty="0" err="1">
+                <a:latin typeface="Times New Roman"/>
+                <a:ea typeface="Times New Roman"/>
+                <a:cs typeface="Times New Roman"/>
+                <a:sym typeface="Times New Roman"/>
+              </a:rPr>
+              <a:t>Mahek</a:t>
+            </a:r>
+            <a:r>
+              <a:rPr lang="en-IN" sz="1800" dirty="0">
+                <a:latin typeface="Times New Roman"/>
+                <a:ea typeface="Times New Roman"/>
+                <a:cs typeface="Times New Roman"/>
+                <a:sym typeface="Times New Roman"/>
+              </a:rPr>
+              <a:t> </a:t>
+            </a:r>
+            <a:r>
+              <a:rPr lang="en-IN" sz="1800" dirty="0" err="1">
+                <a:latin typeface="Times New Roman"/>
+                <a:ea typeface="Times New Roman"/>
+                <a:cs typeface="Times New Roman"/>
+                <a:sym typeface="Times New Roman"/>
+              </a:rPr>
+              <a:t>Chougule</a:t>
+            </a:r>
+            <a:r>
+              <a:rPr lang="en-IN" sz="1800" dirty="0">
+                <a:latin typeface="Times New Roman"/>
+                <a:ea typeface="Times New Roman"/>
+                <a:cs typeface="Times New Roman"/>
+                <a:sym typeface="Times New Roman"/>
+              </a:rPr>
+              <a:t> (20102184)</a:t>
+            </a:r>
+          </a:p>
+          <a:p>
+            <a:pPr marL="0" lvl="0" indent="0" algn="ctr" rtl="0">
+              <a:spcBef>
+                <a:spcPts val="0"/>
+              </a:spcBef>
+              <a:spcAft>
+                <a:spcPts val="0"/>
+              </a:spcAft>
+              <a:buClr>
+                <a:schemeClr val="dk1"/>
+              </a:buClr>
+              <a:buSzPts val="1100"/>
+              <a:buFont typeface="Arial"/>
+              <a:buNone/>
+            </a:pPr>
+            <a:r>
+              <a:rPr lang="en-IN" sz="1800" dirty="0">
+                <a:latin typeface="Times New Roman"/>
+                <a:ea typeface="Times New Roman"/>
+                <a:cs typeface="Times New Roman"/>
+                <a:sym typeface="Times New Roman"/>
+              </a:rPr>
+              <a:t>Anjali </a:t>
+            </a:r>
+            <a:r>
+              <a:rPr lang="en-IN" sz="1800" dirty="0" err="1">
+                <a:latin typeface="Times New Roman"/>
+                <a:ea typeface="Times New Roman"/>
+                <a:cs typeface="Times New Roman"/>
+                <a:sym typeface="Times New Roman"/>
+              </a:rPr>
+              <a:t>Divekar</a:t>
+            </a:r>
+            <a:r>
+              <a:rPr lang="en-IN" sz="1800" dirty="0">
+                <a:latin typeface="Times New Roman"/>
+                <a:ea typeface="Times New Roman"/>
+                <a:cs typeface="Times New Roman"/>
+                <a:sym typeface="Times New Roman"/>
+              </a:rPr>
+              <a:t> (21202105)</a:t>
+            </a:r>
+          </a:p>
+          <a:p>
+            <a:pPr marL="0" lvl="0" indent="0" algn="ctr" rtl="0">
+              <a:spcBef>
+                <a:spcPts val="0"/>
+              </a:spcBef>
+              <a:spcAft>
+                <a:spcPts val="0"/>
+              </a:spcAft>
+              <a:buClr>
+                <a:schemeClr val="dk1"/>
+              </a:buClr>
+              <a:buSzPts val="1100"/>
+              <a:buFont typeface="Arial"/>
+              <a:buNone/>
+            </a:pPr>
+            <a:r>
+              <a:rPr lang="en-IN" dirty="0" err="1">
+                <a:ea typeface="Times New Roman"/>
+                <a:sym typeface="Times New Roman"/>
+              </a:rPr>
+              <a:t>Vaishnavi</a:t>
+            </a:r>
+            <a:r>
+              <a:rPr lang="en-IN" dirty="0">
+                <a:ea typeface="Times New Roman"/>
+                <a:sym typeface="Times New Roman"/>
+              </a:rPr>
+              <a:t> </a:t>
+            </a:r>
+            <a:r>
+              <a:rPr lang="en-IN" dirty="0" err="1">
+                <a:ea typeface="Times New Roman"/>
+                <a:sym typeface="Times New Roman"/>
+              </a:rPr>
+              <a:t>Dhumal</a:t>
+            </a:r>
+            <a:r>
+              <a:rPr lang="en-IN" sz="1800" dirty="0">
+                <a:latin typeface="Times New Roman"/>
+                <a:ea typeface="Times New Roman"/>
+                <a:cs typeface="Times New Roman"/>
+                <a:sym typeface="Times New Roman"/>
+              </a:rPr>
+              <a:t>(21202146)</a:t>
+            </a:r>
+            <a:br>
+              <a:rPr lang="en-IN" sz="1800" dirty="0">
+                <a:latin typeface="Times New Roman"/>
+                <a:ea typeface="Times New Roman"/>
+                <a:cs typeface="Times New Roman"/>
+                <a:sym typeface="Times New Roman"/>
+              </a:rPr>
+            </a:br>
+            <a:endParaRPr lang="en-IN" sz="1800" dirty="0">
+              <a:latin typeface="Times New Roman"/>
+              <a:ea typeface="Times New Roman"/>
+              <a:cs typeface="Times New Roman"/>
+              <a:sym typeface="Times New Roman"/>
+            </a:endParaRPr>
+          </a:p>
+          <a:p>
+            <a:pPr marL="0" lvl="0" indent="0" algn="ctr" rtl="0">
+              <a:spcBef>
+                <a:spcPts val="0"/>
+              </a:spcBef>
+              <a:spcAft>
+                <a:spcPts val="0"/>
+              </a:spcAft>
+              <a:buClr>
+                <a:schemeClr val="dk1"/>
+              </a:buClr>
+              <a:buSzPts val="1100"/>
+              <a:buFont typeface="Arial"/>
+              <a:buNone/>
+            </a:pPr>
+            <a:endParaRPr sz="1850" dirty="0"/>
+          </a:p>
+          <a:p>
+            <a:pPr marL="3175" algn="ctr">
+              <a:lnSpc>
+                <a:spcPct val="100000"/>
+              </a:lnSpc>
+            </a:pPr>
+            <a:r>
+              <a:rPr dirty="0"/>
+              <a:t>Under the </a:t>
+            </a:r>
+            <a:r>
+              <a:rPr spc="-5" dirty="0"/>
+              <a:t>Guidance</a:t>
+            </a:r>
+            <a:r>
+              <a:rPr spc="-50" dirty="0"/>
+              <a:t> </a:t>
+            </a:r>
+            <a:r>
+              <a:rPr spc="5" dirty="0"/>
+              <a:t>of</a:t>
+            </a:r>
+          </a:p>
+          <a:p>
+            <a:pPr marL="1905" algn="ctr">
+              <a:lnSpc>
+                <a:spcPct val="100000"/>
+              </a:lnSpc>
+              <a:spcBef>
+                <a:spcPts val="5"/>
+              </a:spcBef>
+            </a:pPr>
+            <a:r>
+              <a:rPr lang="en-US" spc="-15" dirty="0"/>
+              <a:t>Prof. D.D. </a:t>
+            </a:r>
+            <a:r>
+              <a:rPr lang="en-US" spc="-15" dirty="0" err="1"/>
+              <a:t>Kayande</a:t>
+            </a:r>
+            <a:endParaRPr spc="-5" dirty="0"/>
+          </a:p>
+        </p:txBody>
+      </p:sp>
+    </p:spTree>
+  </p:cSld>
+  <p:clrMapOvr>
+    <a:masterClrMapping/>
+  </p:clrMapOvr>
+</p:sld>
+</file>
+
+<file path=ppt/slides/slide20.xml><?xml version="1.0" encoding="utf-8"?>
+<p:sld xmlns:a="http://schemas.openxmlformats.org/drawingml/2006/main" xmlns:r="http://schemas.openxmlformats.org/officeDocument/2006/relationships" xmlns:p="http://schemas.openxmlformats.org/presentationml/2006/main">
+  <p:cSld>
+    <p:spTree>
+      <p:nvGrpSpPr>
+        <p:cNvPr id="1" name=""/>
+        <p:cNvGrpSpPr/>
+        <p:nvPr/>
+      </p:nvGrpSpPr>
+      <p:grpSpPr>
+        <a:xfrm>
+          <a:off x="0" y="0"/>
+          <a:ext cx="0" cy="0"/>
+          <a:chOff x="0" y="0"/>
+          <a:chExt cx="0" cy="0"/>
+        </a:xfrm>
+      </p:grpSpPr>
+      <p:sp>
+        <p:nvSpPr>
+          <p:cNvPr id="2" name="Title 1"/>
+          <p:cNvSpPr>
+            <a:spLocks noGrp="1"/>
+          </p:cNvSpPr>
+          <p:nvPr>
+            <p:ph type="title"/>
+          </p:nvPr>
+        </p:nvSpPr>
+        <p:spPr/>
+        <p:txBody>
+          <a:bodyPr/>
+          <a:lstStyle/>
+          <a:p>
+            <a:endParaRPr lang="en-IN"/>
+          </a:p>
+        </p:txBody>
+      </p:sp>
+      <p:sp>
+        <p:nvSpPr>
+          <p:cNvPr id="3" name="Text Placeholder 2"/>
+          <p:cNvSpPr>
+            <a:spLocks noGrp="1"/>
+          </p:cNvSpPr>
+          <p:nvPr>
+            <p:ph type="body" idx="1"/>
+          </p:nvPr>
+        </p:nvSpPr>
+        <p:spPr/>
+        <p:txBody>
+          <a:bodyPr/>
+          <a:lstStyle/>
+          <a:p>
+            <a:endParaRPr lang="en-IN"/>
+          </a:p>
+        </p:txBody>
+      </p:sp>
+      <p:pic>
+        <p:nvPicPr>
+          <p:cNvPr id="4" name="Picture 3"/>
+          <p:cNvPicPr>
+            <a:picLocks noChangeAspect="1"/>
+          </p:cNvPicPr>
+          <p:nvPr/>
+        </p:nvPicPr>
+        <p:blipFill>
+          <a:blip r:embed="rId2">
+            <a:extLst>
+              <a:ext uri="{28A0092B-C50C-407E-A947-70E740481C1C}">
+                <a14:useLocalDpi xmlns:a14="http://schemas.microsoft.com/office/drawing/2010/main" val="0"/>
+              </a:ext>
+            </a:extLst>
+          </a:blip>
+          <a:stretch>
+            <a:fillRect/>
+          </a:stretch>
+        </p:blipFill>
+        <p:spPr>
+          <a:xfrm>
+            <a:off x="0" y="535384"/>
+            <a:ext cx="9144000" cy="4079081"/>
+          </a:xfrm>
+          <a:prstGeom prst="rect">
+            <a:avLst/>
+          </a:prstGeom>
+        </p:spPr>
+      </p:pic>
+    </p:spTree>
+    <p:extLst>
+      <p:ext uri="{BB962C8B-B14F-4D97-AF65-F5344CB8AC3E}">
+        <p14:creationId xmlns:p14="http://schemas.microsoft.com/office/powerpoint/2010/main" val="4127933023"/>
+      </p:ext>
+    </p:extLst>
+  </p:cSld>
+  <p:clrMapOvr>
+    <a:masterClrMapping/>
+  </p:clrMapOvr>
+</p:sld>
+</file>
+
+<file path=ppt/slides/slide21.xml><?xml version="1.0" encoding="utf-8"?>
+<p:sld xmlns:a="http://schemas.openxmlformats.org/drawingml/2006/main" xmlns:r="http://schemas.openxmlformats.org/officeDocument/2006/relationships" xmlns:p="http://schemas.openxmlformats.org/presentationml/2006/main">
+  <p:cSld>
+    <p:spTree>
+      <p:nvGrpSpPr>
+        <p:cNvPr id="1" name=""/>
+        <p:cNvGrpSpPr/>
+        <p:nvPr/>
+      </p:nvGrpSpPr>
+      <p:grpSpPr>
+        <a:xfrm>
+          <a:off x="0" y="0"/>
+          <a:ext cx="0" cy="0"/>
+          <a:chOff x="0" y="0"/>
+          <a:chExt cx="0" cy="0"/>
+        </a:xfrm>
+      </p:grpSpPr>
+      <p:sp>
+        <p:nvSpPr>
+          <p:cNvPr id="2" name="Title 1"/>
+          <p:cNvSpPr>
+            <a:spLocks noGrp="1"/>
+          </p:cNvSpPr>
+          <p:nvPr>
+            <p:ph type="title"/>
+          </p:nvPr>
+        </p:nvSpPr>
+        <p:spPr/>
+        <p:txBody>
+          <a:bodyPr/>
+          <a:lstStyle/>
+          <a:p>
+            <a:endParaRPr lang="en-IN"/>
+          </a:p>
+        </p:txBody>
+      </p:sp>
+      <p:sp>
+        <p:nvSpPr>
+          <p:cNvPr id="3" name="Text Placeholder 2"/>
+          <p:cNvSpPr>
+            <a:spLocks noGrp="1"/>
+          </p:cNvSpPr>
+          <p:nvPr>
+            <p:ph type="body" idx="1"/>
+          </p:nvPr>
+        </p:nvSpPr>
+        <p:spPr/>
+        <p:txBody>
+          <a:bodyPr/>
+          <a:lstStyle/>
+          <a:p>
             <a:endParaRPr lang="en-IN"/>
           </a:p>
         </p:txBody>
@@ -3893,657 +4741,7 @@
 </p:sld>
 </file>
 
-<file path=ppt/slides/slide2.xml><?xml version="1.0" encoding="utf-8"?>
-<p:sld xmlns:a="http://schemas.openxmlformats.org/drawingml/2006/main" xmlns:r="http://schemas.openxmlformats.org/officeDocument/2006/relationships" xmlns:p="http://schemas.openxmlformats.org/presentationml/2006/main" showMasterSp="0">
-  <p:cSld>
-    <p:spTree>
-      <p:nvGrpSpPr>
-        <p:cNvPr id="1" name=""/>
-        <p:cNvGrpSpPr/>
-        <p:nvPr/>
-      </p:nvGrpSpPr>
-      <p:grpSpPr>
-        <a:xfrm>
-          <a:off x="0" y="0"/>
-          <a:ext cx="0" cy="0"/>
-          <a:chOff x="0" y="0"/>
-          <a:chExt cx="0" cy="0"/>
-        </a:xfrm>
-      </p:grpSpPr>
-      <p:sp>
-        <p:nvSpPr>
-          <p:cNvPr id="2" name="object 2"/>
-          <p:cNvSpPr/>
-          <p:nvPr/>
-        </p:nvSpPr>
-        <p:spPr>
-          <a:xfrm>
-            <a:off x="0" y="1660525"/>
-            <a:ext cx="9144000" cy="3432175"/>
-          </a:xfrm>
-          <a:custGeom>
-            <a:avLst/>
-            <a:gdLst/>
-            <a:ahLst/>
-            <a:cxnLst/>
-            <a:rect l="l" t="t" r="r" b="b"/>
-            <a:pathLst>
-              <a:path w="9144000" h="3432175">
-                <a:moveTo>
-                  <a:pt x="0" y="3432047"/>
-                </a:moveTo>
-                <a:lnTo>
-                  <a:pt x="9144000" y="3432047"/>
-                </a:lnTo>
-                <a:lnTo>
-                  <a:pt x="9144000" y="0"/>
-                </a:lnTo>
-                <a:lnTo>
-                  <a:pt x="0" y="0"/>
-                </a:lnTo>
-                <a:lnTo>
-                  <a:pt x="0" y="3432047"/>
-                </a:lnTo>
-                <a:close/>
-              </a:path>
-            </a:pathLst>
-          </a:custGeom>
-          <a:solidFill>
-            <a:srgbClr val="000000"/>
-          </a:solidFill>
-        </p:spPr>
-        <p:txBody>
-          <a:bodyPr wrap="square" lIns="0" tIns="0" rIns="0" bIns="0" rtlCol="0"/>
-          <a:lstStyle/>
-          <a:p>
-            <a:endParaRPr/>
-          </a:p>
-        </p:txBody>
-      </p:sp>
-      <p:sp>
-        <p:nvSpPr>
-          <p:cNvPr id="3" name="object 3"/>
-          <p:cNvSpPr/>
-          <p:nvPr/>
-        </p:nvSpPr>
-        <p:spPr>
-          <a:xfrm>
-            <a:off x="0" y="-14177"/>
-            <a:ext cx="9144000" cy="1713230"/>
-          </a:xfrm>
-          <a:custGeom>
-            <a:avLst/>
-            <a:gdLst/>
-            <a:ahLst/>
-            <a:cxnLst/>
-            <a:rect l="l" t="t" r="r" b="b"/>
-            <a:pathLst>
-              <a:path w="9144000" h="1713230">
-                <a:moveTo>
-                  <a:pt x="9144000" y="0"/>
-                </a:moveTo>
-                <a:lnTo>
-                  <a:pt x="0" y="0"/>
-                </a:lnTo>
-                <a:lnTo>
-                  <a:pt x="0" y="1712976"/>
-                </a:lnTo>
-                <a:lnTo>
-                  <a:pt x="9144000" y="1712976"/>
-                </a:lnTo>
-                <a:lnTo>
-                  <a:pt x="9144000" y="0"/>
-                </a:lnTo>
-                <a:close/>
-              </a:path>
-            </a:pathLst>
-          </a:custGeom>
-          <a:solidFill>
-            <a:srgbClr val="25A69A"/>
-          </a:solidFill>
-        </p:spPr>
-        <p:txBody>
-          <a:bodyPr wrap="square" lIns="0" tIns="0" rIns="0" bIns="0" rtlCol="0"/>
-          <a:lstStyle/>
-          <a:p>
-            <a:endParaRPr/>
-          </a:p>
-        </p:txBody>
-      </p:sp>
-      <p:sp>
-        <p:nvSpPr>
-          <p:cNvPr id="4" name="object 4"/>
-          <p:cNvSpPr/>
-          <p:nvPr/>
-        </p:nvSpPr>
-        <p:spPr>
-          <a:xfrm>
-            <a:off x="644651" y="3598164"/>
-            <a:ext cx="390525" cy="0"/>
-          </a:xfrm>
-          <a:custGeom>
-            <a:avLst/>
-            <a:gdLst/>
-            <a:ahLst/>
-            <a:cxnLst/>
-            <a:rect l="l" t="t" r="r" b="b"/>
-            <a:pathLst>
-              <a:path w="390525">
-                <a:moveTo>
-                  <a:pt x="0" y="0"/>
-                </a:moveTo>
-                <a:lnTo>
-                  <a:pt x="390296" y="0"/>
-                </a:lnTo>
-              </a:path>
-            </a:pathLst>
-          </a:custGeom>
-          <a:ln w="27432">
-            <a:solidFill>
-              <a:srgbClr val="FFFAEF"/>
-            </a:solidFill>
-          </a:ln>
-        </p:spPr>
-        <p:txBody>
-          <a:bodyPr wrap="square" lIns="0" tIns="0" rIns="0" bIns="0" rtlCol="0"/>
-          <a:lstStyle/>
-          <a:p>
-            <a:endParaRPr/>
-          </a:p>
-        </p:txBody>
-      </p:sp>
-      <p:sp>
-        <p:nvSpPr>
-          <p:cNvPr id="5" name="object 5"/>
-          <p:cNvSpPr txBox="1"/>
-          <p:nvPr/>
-        </p:nvSpPr>
-        <p:spPr>
-          <a:xfrm>
-            <a:off x="3564382" y="345439"/>
-            <a:ext cx="1861185" cy="299720"/>
-          </a:xfrm>
-          <a:prstGeom prst="rect">
-            <a:avLst/>
-          </a:prstGeom>
-        </p:spPr>
-        <p:txBody>
-          <a:bodyPr vert="horz" wrap="square" lIns="0" tIns="12700" rIns="0" bIns="0" rtlCol="0">
-            <a:spAutoFit/>
-          </a:bodyPr>
-          <a:lstStyle/>
-          <a:p>
-            <a:pPr marL="12700">
-              <a:lnSpc>
-                <a:spcPct val="100000"/>
-              </a:lnSpc>
-              <a:spcBef>
-                <a:spcPts val="100"/>
-              </a:spcBef>
-            </a:pPr>
-            <a:r>
-              <a:rPr sz="1800" spc="-5" dirty="0">
-                <a:solidFill>
-                  <a:srgbClr val="FFFAEF"/>
-                </a:solidFill>
-                <a:latin typeface="Times New Roman"/>
-                <a:cs typeface="Times New Roman"/>
-              </a:rPr>
-              <a:t>A </a:t>
-            </a:r>
-            <a:r>
-              <a:rPr sz="1800" dirty="0">
-                <a:solidFill>
-                  <a:srgbClr val="FFFAEF"/>
-                </a:solidFill>
-                <a:latin typeface="Times New Roman"/>
-                <a:cs typeface="Times New Roman"/>
-              </a:rPr>
-              <a:t>Project Report</a:t>
-            </a:r>
-            <a:r>
-              <a:rPr sz="1800" spc="-110" dirty="0">
-                <a:solidFill>
-                  <a:srgbClr val="FFFAEF"/>
-                </a:solidFill>
-                <a:latin typeface="Times New Roman"/>
-                <a:cs typeface="Times New Roman"/>
-              </a:rPr>
-              <a:t> </a:t>
-            </a:r>
-            <a:r>
-              <a:rPr sz="1800" spc="5" dirty="0">
-                <a:solidFill>
-                  <a:srgbClr val="FFFAEF"/>
-                </a:solidFill>
-                <a:latin typeface="Times New Roman"/>
-                <a:cs typeface="Times New Roman"/>
-              </a:rPr>
-              <a:t>on</a:t>
-            </a:r>
-            <a:endParaRPr sz="1800" dirty="0">
-              <a:latin typeface="Times New Roman"/>
-              <a:cs typeface="Times New Roman"/>
-            </a:endParaRPr>
-          </a:p>
-        </p:txBody>
-      </p:sp>
-      <p:sp>
-        <p:nvSpPr>
-          <p:cNvPr id="6" name="object 6"/>
-          <p:cNvSpPr txBox="1">
-            <a:spLocks noGrp="1"/>
-          </p:cNvSpPr>
-          <p:nvPr>
-            <p:ph type="title"/>
-          </p:nvPr>
-        </p:nvSpPr>
-        <p:spPr>
-          <a:xfrm>
-            <a:off x="2667000" y="624876"/>
-            <a:ext cx="4985258" cy="382156"/>
-          </a:xfrm>
-          <a:prstGeom prst="rect">
-            <a:avLst/>
-          </a:prstGeom>
-        </p:spPr>
-        <p:txBody>
-          <a:bodyPr vert="horz" wrap="square" lIns="0" tIns="12700" rIns="0" bIns="0" rtlCol="0">
-            <a:spAutoFit/>
-          </a:bodyPr>
-          <a:lstStyle/>
-          <a:p>
-            <a:pPr marL="12700">
-              <a:lnSpc>
-                <a:spcPct val="100000"/>
-              </a:lnSpc>
-              <a:spcBef>
-                <a:spcPts val="100"/>
-              </a:spcBef>
-            </a:pPr>
-            <a:r>
-              <a:rPr lang="en-US" sz="2400" dirty="0"/>
-              <a:t>Hospital Management System</a:t>
-            </a:r>
-            <a:endParaRPr sz="2400" dirty="0"/>
-          </a:p>
-        </p:txBody>
-      </p:sp>
-      <p:sp>
-        <p:nvSpPr>
-          <p:cNvPr id="7" name="object 7"/>
-          <p:cNvSpPr txBox="1">
-            <a:spLocks noGrp="1"/>
-          </p:cNvSpPr>
-          <p:nvPr>
-            <p:ph type="body" idx="1"/>
-          </p:nvPr>
-        </p:nvSpPr>
-        <p:spPr>
-          <a:xfrm>
-            <a:off x="2384551" y="985469"/>
-            <a:ext cx="4373245" cy="3344505"/>
-          </a:xfrm>
-          <a:prstGeom prst="rect">
-            <a:avLst/>
-          </a:prstGeom>
-        </p:spPr>
-        <p:txBody>
-          <a:bodyPr vert="horz" wrap="square" lIns="0" tIns="12700" rIns="0" bIns="0" rtlCol="0">
-            <a:spAutoFit/>
-          </a:bodyPr>
-          <a:lstStyle/>
-          <a:p>
-            <a:pPr algn="ctr">
-              <a:lnSpc>
-                <a:spcPct val="100000"/>
-              </a:lnSpc>
-              <a:spcBef>
-                <a:spcPts val="100"/>
-              </a:spcBef>
-            </a:pPr>
-            <a:r>
-              <a:rPr spc="-5" dirty="0"/>
-              <a:t>Submitted </a:t>
-            </a:r>
-            <a:r>
-              <a:rPr dirty="0"/>
-              <a:t>in </a:t>
-            </a:r>
-            <a:r>
-              <a:rPr spc="-5" dirty="0"/>
-              <a:t>partial </a:t>
-            </a:r>
-            <a:r>
-              <a:rPr spc="-10" dirty="0"/>
-              <a:t>fulfillment </a:t>
-            </a:r>
-            <a:r>
-              <a:rPr dirty="0"/>
-              <a:t>of the </a:t>
-            </a:r>
-            <a:r>
-              <a:rPr spc="-5" dirty="0"/>
-              <a:t>degree</a:t>
-            </a:r>
-            <a:r>
-              <a:rPr spc="40" dirty="0"/>
-              <a:t> </a:t>
-            </a:r>
-            <a:r>
-              <a:rPr dirty="0"/>
-              <a:t>of</a:t>
-            </a:r>
-          </a:p>
-          <a:p>
-            <a:pPr algn="ctr">
-              <a:lnSpc>
-                <a:spcPct val="100000"/>
-              </a:lnSpc>
-              <a:spcBef>
-                <a:spcPts val="5"/>
-              </a:spcBef>
-            </a:pPr>
-            <a:r>
-              <a:rPr spc="-5" dirty="0"/>
-              <a:t>Bachelor </a:t>
-            </a:r>
-            <a:r>
-              <a:rPr spc="5" dirty="0"/>
-              <a:t>of</a:t>
-            </a:r>
-            <a:r>
-              <a:rPr spc="-25" dirty="0"/>
-              <a:t> </a:t>
-            </a:r>
-            <a:r>
-              <a:rPr dirty="0"/>
-              <a:t>Engineering(Sem-V</a:t>
-            </a:r>
-            <a:r>
-              <a:rPr lang="en-IN" dirty="0"/>
-              <a:t>I</a:t>
-            </a:r>
-            <a:r>
-              <a:rPr dirty="0"/>
-              <a:t>)</a:t>
-            </a:r>
-          </a:p>
-          <a:p>
-            <a:pPr marL="1905" algn="ctr">
-              <a:lnSpc>
-                <a:spcPct val="100000"/>
-              </a:lnSpc>
-            </a:pPr>
-            <a:r>
-              <a:rPr dirty="0"/>
-              <a:t>in</a:t>
-            </a:r>
-          </a:p>
-          <a:p>
-            <a:pPr algn="ctr">
-              <a:lnSpc>
-                <a:spcPct val="100000"/>
-              </a:lnSpc>
-            </a:pPr>
-            <a:r>
-              <a:rPr b="1" spc="-20" dirty="0">
-                <a:latin typeface="Times New Roman"/>
-                <a:cs typeface="Times New Roman"/>
-              </a:rPr>
-              <a:t>Computer</a:t>
-            </a:r>
-            <a:r>
-              <a:rPr b="1" spc="110" dirty="0">
-                <a:latin typeface="Times New Roman"/>
-                <a:cs typeface="Times New Roman"/>
-              </a:rPr>
-              <a:t> </a:t>
-            </a:r>
-            <a:r>
-              <a:rPr b="1" spc="-10" dirty="0">
-                <a:latin typeface="Times New Roman"/>
-                <a:cs typeface="Times New Roman"/>
-              </a:rPr>
-              <a:t>Engineering</a:t>
-            </a:r>
-          </a:p>
-          <a:p>
-            <a:pPr marL="4445" algn="ctr">
-              <a:lnSpc>
-                <a:spcPct val="100000"/>
-              </a:lnSpc>
-            </a:pPr>
-            <a:r>
-              <a:rPr spc="-5" dirty="0"/>
-              <a:t>By</a:t>
-            </a:r>
-          </a:p>
-          <a:p>
-            <a:pPr marL="0" lvl="0" indent="0" algn="ctr" rtl="0">
-              <a:spcBef>
-                <a:spcPts val="0"/>
-              </a:spcBef>
-              <a:spcAft>
-                <a:spcPts val="0"/>
-              </a:spcAft>
-              <a:buClr>
-                <a:schemeClr val="dk1"/>
-              </a:buClr>
-              <a:buSzPts val="1100"/>
-              <a:buFont typeface="Arial"/>
-              <a:buNone/>
-            </a:pPr>
-            <a:r>
-              <a:rPr lang="en-IN" sz="1800" dirty="0" err="1">
-                <a:latin typeface="Times New Roman"/>
-                <a:ea typeface="Times New Roman"/>
-                <a:cs typeface="Times New Roman"/>
-                <a:sym typeface="Times New Roman"/>
-              </a:rPr>
-              <a:t>Mahek</a:t>
-            </a:r>
-            <a:r>
-              <a:rPr lang="en-IN" sz="1800" dirty="0">
-                <a:latin typeface="Times New Roman"/>
-                <a:ea typeface="Times New Roman"/>
-                <a:cs typeface="Times New Roman"/>
-                <a:sym typeface="Times New Roman"/>
-              </a:rPr>
-              <a:t> </a:t>
-            </a:r>
-            <a:r>
-              <a:rPr lang="en-IN" sz="1800" dirty="0" err="1">
-                <a:latin typeface="Times New Roman"/>
-                <a:ea typeface="Times New Roman"/>
-                <a:cs typeface="Times New Roman"/>
-                <a:sym typeface="Times New Roman"/>
-              </a:rPr>
-              <a:t>Chougule</a:t>
-            </a:r>
-            <a:r>
-              <a:rPr lang="en-IN" sz="1800" dirty="0">
-                <a:latin typeface="Times New Roman"/>
-                <a:ea typeface="Times New Roman"/>
-                <a:cs typeface="Times New Roman"/>
-                <a:sym typeface="Times New Roman"/>
-              </a:rPr>
-              <a:t> (20102184)</a:t>
-            </a:r>
-          </a:p>
-          <a:p>
-            <a:pPr marL="0" lvl="0" indent="0" algn="ctr" rtl="0">
-              <a:spcBef>
-                <a:spcPts val="0"/>
-              </a:spcBef>
-              <a:spcAft>
-                <a:spcPts val="0"/>
-              </a:spcAft>
-              <a:buClr>
-                <a:schemeClr val="dk1"/>
-              </a:buClr>
-              <a:buSzPts val="1100"/>
-              <a:buFont typeface="Arial"/>
-              <a:buNone/>
-            </a:pPr>
-            <a:r>
-              <a:rPr lang="en-IN" sz="1800" dirty="0">
-                <a:latin typeface="Times New Roman"/>
-                <a:ea typeface="Times New Roman"/>
-                <a:cs typeface="Times New Roman"/>
-                <a:sym typeface="Times New Roman"/>
-              </a:rPr>
-              <a:t>Anjali </a:t>
-            </a:r>
-            <a:r>
-              <a:rPr lang="en-IN" sz="1800" dirty="0" err="1">
-                <a:latin typeface="Times New Roman"/>
-                <a:ea typeface="Times New Roman"/>
-                <a:cs typeface="Times New Roman"/>
-                <a:sym typeface="Times New Roman"/>
-              </a:rPr>
-              <a:t>Divekar</a:t>
-            </a:r>
-            <a:r>
-              <a:rPr lang="en-IN" sz="1800" dirty="0">
-                <a:latin typeface="Times New Roman"/>
-                <a:ea typeface="Times New Roman"/>
-                <a:cs typeface="Times New Roman"/>
-                <a:sym typeface="Times New Roman"/>
-              </a:rPr>
-              <a:t> (21202105)</a:t>
-            </a:r>
-          </a:p>
-          <a:p>
-            <a:pPr marL="0" lvl="0" indent="0" algn="ctr" rtl="0">
-              <a:spcBef>
-                <a:spcPts val="0"/>
-              </a:spcBef>
-              <a:spcAft>
-                <a:spcPts val="0"/>
-              </a:spcAft>
-              <a:buClr>
-                <a:schemeClr val="dk1"/>
-              </a:buClr>
-              <a:buSzPts val="1100"/>
-              <a:buFont typeface="Arial"/>
-              <a:buNone/>
-            </a:pPr>
-            <a:r>
-              <a:rPr lang="en-IN" dirty="0" err="1">
-                <a:ea typeface="Times New Roman"/>
-                <a:sym typeface="Times New Roman"/>
-              </a:rPr>
-              <a:t>Vaishnavi</a:t>
-            </a:r>
-            <a:r>
-              <a:rPr lang="en-IN" dirty="0">
-                <a:ea typeface="Times New Roman"/>
-                <a:sym typeface="Times New Roman"/>
-              </a:rPr>
-              <a:t> </a:t>
-            </a:r>
-            <a:r>
-              <a:rPr lang="en-IN" dirty="0" err="1">
-                <a:ea typeface="Times New Roman"/>
-                <a:sym typeface="Times New Roman"/>
-              </a:rPr>
-              <a:t>Dhumal</a:t>
-            </a:r>
-            <a:r>
-              <a:rPr lang="en-IN" sz="1800" dirty="0">
-                <a:latin typeface="Times New Roman"/>
-                <a:ea typeface="Times New Roman"/>
-                <a:cs typeface="Times New Roman"/>
-                <a:sym typeface="Times New Roman"/>
-              </a:rPr>
-              <a:t>(21202146)</a:t>
-            </a:r>
-            <a:br>
-              <a:rPr lang="en-IN" sz="1800" dirty="0">
-                <a:latin typeface="Times New Roman"/>
-                <a:ea typeface="Times New Roman"/>
-                <a:cs typeface="Times New Roman"/>
-                <a:sym typeface="Times New Roman"/>
-              </a:rPr>
-            </a:br>
-            <a:endParaRPr lang="en-IN" sz="1800" dirty="0">
-              <a:latin typeface="Times New Roman"/>
-              <a:ea typeface="Times New Roman"/>
-              <a:cs typeface="Times New Roman"/>
-              <a:sym typeface="Times New Roman"/>
-            </a:endParaRPr>
-          </a:p>
-          <a:p>
-            <a:pPr marL="0" lvl="0" indent="0" algn="ctr" rtl="0">
-              <a:spcBef>
-                <a:spcPts val="0"/>
-              </a:spcBef>
-              <a:spcAft>
-                <a:spcPts val="0"/>
-              </a:spcAft>
-              <a:buClr>
-                <a:schemeClr val="dk1"/>
-              </a:buClr>
-              <a:buSzPts val="1100"/>
-              <a:buFont typeface="Arial"/>
-              <a:buNone/>
-            </a:pPr>
-            <a:endParaRPr sz="1850" dirty="0"/>
-          </a:p>
-          <a:p>
-            <a:pPr marL="3175" algn="ctr">
-              <a:lnSpc>
-                <a:spcPct val="100000"/>
-              </a:lnSpc>
-            </a:pPr>
-            <a:r>
-              <a:rPr dirty="0"/>
-              <a:t>Under the </a:t>
-            </a:r>
-            <a:r>
-              <a:rPr spc="-5" dirty="0"/>
-              <a:t>Guidance</a:t>
-            </a:r>
-            <a:r>
-              <a:rPr spc="-50" dirty="0"/>
-              <a:t> </a:t>
-            </a:r>
-            <a:r>
-              <a:rPr spc="5" dirty="0"/>
-              <a:t>of</a:t>
-            </a:r>
-          </a:p>
-          <a:p>
-            <a:pPr marL="1905" algn="ctr">
-              <a:lnSpc>
-                <a:spcPct val="100000"/>
-              </a:lnSpc>
-              <a:spcBef>
-                <a:spcPts val="5"/>
-              </a:spcBef>
-            </a:pPr>
-            <a:r>
-              <a:rPr lang="en-US" spc="-15" dirty="0"/>
-              <a:t>Prof. D.D. </a:t>
-            </a:r>
-            <a:r>
-              <a:rPr lang="en-US" spc="-15" dirty="0" err="1"/>
-              <a:t>Kayande</a:t>
-            </a:r>
-            <a:endParaRPr spc="-5" dirty="0"/>
-          </a:p>
-        </p:txBody>
-      </p:sp>
-    </p:spTree>
-  </p:cSld>
-  <p:clrMapOvr>
-    <a:masterClrMapping/>
-  </p:clrMapOvr>
-</p:sld>
-</file>
-
-<file path=ppt/slides/slide20.xml><?xml version="1.0" encoding="utf-8"?>
+<file path=ppt/slides/slide22.xml><?xml version="1.0" encoding="utf-8"?>
 <p:sld xmlns:a="http://schemas.openxmlformats.org/drawingml/2006/main" xmlns:r="http://schemas.openxmlformats.org/officeDocument/2006/relationships" xmlns:p="http://schemas.openxmlformats.org/presentationml/2006/main">
   <p:cSld>
     <p:spTree>
@@ -4808,7 +5006,7 @@
 </p:sld>
 </file>
 
-<file path=ppt/slides/slide21.xml><?xml version="1.0" encoding="utf-8"?>
+<file path=ppt/slides/slide23.xml><?xml version="1.0" encoding="utf-8"?>
 <p:sld xmlns:a="http://schemas.openxmlformats.org/drawingml/2006/main" xmlns:r="http://schemas.openxmlformats.org/officeDocument/2006/relationships" xmlns:p="http://schemas.openxmlformats.org/presentationml/2006/main">
   <p:cSld>
     <p:spTree>
@@ -4916,7 +5114,7 @@
                 <a:ea typeface="Times New Roman" panose="02020603050405020304" pitchFamily="18" charset="0"/>
                 <a:hlinkClick r:id="rId2"/>
               </a:rPr>
-              <a:t>https://github.com/Mahekchougle02/Hospital-Management-System_CCL</a:t>
+              <a:t>https://github.com/anjalid26/Hospital-Management-System</a:t>
             </a:r>
             <a:endParaRPr lang="en-IN" sz="1200" dirty="0">
               <a:solidFill>
@@ -4961,7 +5159,7 @@
 </p:sld>
 </file>
 
-<file path=ppt/slides/slide22.xml><?xml version="1.0" encoding="utf-8"?>
+<file path=ppt/slides/slide24.xml><?xml version="1.0" encoding="utf-8"?>
 <p:sld xmlns:a="http://schemas.openxmlformats.org/drawingml/2006/main" xmlns:r="http://schemas.openxmlformats.org/officeDocument/2006/relationships" xmlns:p="http://schemas.openxmlformats.org/presentationml/2006/main">
   <p:cSld>
     <p:spTree>
